--- a/02. Presentations/PresentationGroup_EA.pptx
+++ b/02. Presentations/PresentationGroup_EA.pptx
@@ -6,10 +6,10 @@
     <p:sldMasterId id="2147483694" r:id="rId5"/>
   </p:sldMasterIdLst>
   <p:notesMasterIdLst>
-    <p:notesMasterId r:id="rId15"/>
+    <p:notesMasterId r:id="rId16"/>
   </p:notesMasterIdLst>
   <p:handoutMasterIdLst>
-    <p:handoutMasterId r:id="rId16"/>
+    <p:handoutMasterId r:id="rId17"/>
   </p:handoutMasterIdLst>
   <p:sldIdLst>
     <p:sldId id="269" r:id="rId6"/>
@@ -17,10 +17,11 @@
     <p:sldId id="275" r:id="rId8"/>
     <p:sldId id="276" r:id="rId9"/>
     <p:sldId id="277" r:id="rId10"/>
-    <p:sldId id="278" r:id="rId11"/>
-    <p:sldId id="279" r:id="rId12"/>
-    <p:sldId id="280" r:id="rId13"/>
-    <p:sldId id="272" r:id="rId14"/>
+    <p:sldId id="281" r:id="rId11"/>
+    <p:sldId id="278" r:id="rId12"/>
+    <p:sldId id="279" r:id="rId13"/>
+    <p:sldId id="280" r:id="rId14"/>
+    <p:sldId id="272" r:id="rId15"/>
   </p:sldIdLst>
   <p:sldSz cx="12192000" cy="6858000"/>
   <p:notesSz cx="6858000" cy="9144000"/>
@@ -5048,6 +5049,111 @@
     <p:extLst>
       <p:ext uri="{BB962C8B-B14F-4D97-AF65-F5344CB8AC3E}">
         <p14:creationId xmlns:p14="http://schemas.microsoft.com/office/powerpoint/2010/main" val="939354871"/>
+      </p:ext>
+    </p:extLst>
+  </p:cSld>
+  <p:clrMapOvr>
+    <a:masterClrMapping/>
+  </p:clrMapOvr>
+</p:sld>
+</file>
+
+<file path=ppt/slides/slide10.xml><?xml version="1.0" encoding="utf-8"?>
+<p:sld xmlns:a="http://schemas.openxmlformats.org/drawingml/2006/main" xmlns:r="http://schemas.openxmlformats.org/officeDocument/2006/relationships" xmlns:p="http://schemas.openxmlformats.org/presentationml/2006/main">
+  <p:cSld>
+    <p:spTree>
+      <p:nvGrpSpPr>
+        <p:cNvPr id="1" name=""/>
+        <p:cNvGrpSpPr/>
+        <p:nvPr/>
+      </p:nvGrpSpPr>
+      <p:grpSpPr>
+        <a:xfrm>
+          <a:off x="0" y="0"/>
+          <a:ext cx="0" cy="0"/>
+          <a:chOff x="0" y="0"/>
+          <a:chExt cx="0" cy="0"/>
+        </a:xfrm>
+      </p:grpSpPr>
+      <p:sp>
+        <p:nvSpPr>
+          <p:cNvPr id="2" name="Footer Placeholder 1"/>
+          <p:cNvSpPr>
+            <a:spLocks noGrp="1"/>
+          </p:cNvSpPr>
+          <p:nvPr>
+            <p:ph type="ftr" sz="quarter" idx="11"/>
+          </p:nvPr>
+        </p:nvSpPr>
+        <p:spPr/>
+        <p:txBody>
+          <a:bodyPr/>
+          <a:lstStyle/>
+          <a:p>
+            <a:r>
+              <a:rPr lang="nl-NL"/>
+              <a:t>Ingenieurswetenschappen, Werktuigkunde, TME</a:t>
+            </a:r>
+          </a:p>
+        </p:txBody>
+      </p:sp>
+      <p:sp>
+        <p:nvSpPr>
+          <p:cNvPr id="3" name="Slide Number Placeholder 2"/>
+          <p:cNvSpPr>
+            <a:spLocks noGrp="1"/>
+          </p:cNvSpPr>
+          <p:nvPr>
+            <p:ph type="sldNum" sz="quarter" idx="12"/>
+          </p:nvPr>
+        </p:nvSpPr>
+        <p:spPr/>
+        <p:txBody>
+          <a:bodyPr/>
+          <a:lstStyle/>
+          <a:p>
+            <a:fld id="{0A297500-7527-634B-90F4-69D0994C32B4}" type="slidenum">
+              <a:rPr lang="nl-NL" smtClean="0"/>
+              <a:t>10</a:t>
+            </a:fld>
+            <a:endParaRPr lang="nl-NL"/>
+          </a:p>
+        </p:txBody>
+      </p:sp>
+      <p:pic>
+        <p:nvPicPr>
+          <p:cNvPr id="4" name="Picture 3"/>
+          <p:cNvPicPr>
+            <a:picLocks noChangeAspect="1"/>
+          </p:cNvPicPr>
+          <p:nvPr/>
+        </p:nvPicPr>
+        <p:blipFill>
+          <a:blip r:embed="rId2">
+            <a:extLst>
+              <a:ext uri="{28A0092B-C50C-407E-A947-70E740481C1C}">
+                <a14:useLocalDpi xmlns:a14="http://schemas.microsoft.com/office/drawing/2010/main" val="0"/>
+              </a:ext>
+            </a:extLst>
+          </a:blip>
+          <a:stretch>
+            <a:fillRect/>
+          </a:stretch>
+        </p:blipFill>
+        <p:spPr>
+          <a:xfrm>
+            <a:off x="758283" y="115326"/>
+            <a:ext cx="10283407" cy="5782439"/>
+          </a:xfrm>
+          <a:prstGeom prst="rect">
+            <a:avLst/>
+          </a:prstGeom>
+        </p:spPr>
+      </p:pic>
+    </p:spTree>
+    <p:extLst>
+      <p:ext uri="{BB962C8B-B14F-4D97-AF65-F5344CB8AC3E}">
+        <p14:creationId xmlns:p14="http://schemas.microsoft.com/office/powerpoint/2010/main" val="261656653"/>
       </p:ext>
     </p:extLst>
   </p:cSld>
@@ -19511,6 +19617,197 @@
       </p:grpSpPr>
       <p:sp>
         <p:nvSpPr>
+          <p:cNvPr id="2" name="Content Placeholder 1"/>
+          <p:cNvSpPr>
+            <a:spLocks noGrp="1"/>
+          </p:cNvSpPr>
+          <p:nvPr>
+            <p:ph idx="1"/>
+          </p:nvPr>
+        </p:nvSpPr>
+        <p:spPr>
+          <a:xfrm>
+            <a:off x="576000" y="1656000"/>
+            <a:ext cx="4428713" cy="4464000"/>
+          </a:xfrm>
+        </p:spPr>
+        <p:txBody>
+          <a:bodyPr>
+            <a:normAutofit fontScale="70000" lnSpcReduction="20000"/>
+          </a:bodyPr>
+          <a:lstStyle/>
+          <a:p>
+            <a:pPr marL="0" indent="0">
+              <a:buNone/>
+            </a:pPr>
+            <a:r>
+              <a:rPr lang="en-US" b="1" dirty="0"/>
+              <a:t>Goal</a:t>
+            </a:r>
+            <a:r>
+              <a:rPr lang="en-US" dirty="0"/>
+              <a:t> </a:t>
+            </a:r>
+          </a:p>
+          <a:p>
+            <a:r>
+              <a:rPr lang="en-US" dirty="0"/>
+              <a:t>Estimate the hourly operational cost </a:t>
+            </a:r>
+            <a:r>
+              <a:rPr lang="en-US" dirty="0">
+                <a:sym typeface="Wingdings" panose="05000000000000000000" pitchFamily="2" charset="2"/>
+              </a:rPr>
+              <a:t>of the OPF problem</a:t>
+            </a:r>
+          </a:p>
+          <a:p>
+            <a:r>
+              <a:rPr lang="en-US" dirty="0">
+                <a:sym typeface="Wingdings" panose="05000000000000000000" pitchFamily="2" charset="2"/>
+              </a:rPr>
+              <a:t>Sensitive to</a:t>
+            </a:r>
+          </a:p>
+          <a:p>
+            <a:pPr lvl="1"/>
+            <a:r>
+              <a:rPr lang="en-US" dirty="0">
+                <a:sym typeface="Wingdings" panose="05000000000000000000" pitchFamily="2" charset="2"/>
+              </a:rPr>
+              <a:t>time-series changes </a:t>
+            </a:r>
+          </a:p>
+          <a:p>
+            <a:pPr lvl="1"/>
+            <a:r>
+              <a:rPr lang="en-US" dirty="0">
+                <a:sym typeface="Wingdings" panose="05000000000000000000" pitchFamily="2" charset="2"/>
+              </a:rPr>
+              <a:t>physical network changes </a:t>
+            </a:r>
+          </a:p>
+          <a:p>
+            <a:pPr marL="0" indent="0">
+              <a:buNone/>
+            </a:pPr>
+            <a:r>
+              <a:rPr lang="en-US" b="1" dirty="0">
+                <a:sym typeface="Wingdings" panose="05000000000000000000" pitchFamily="2" charset="2"/>
+              </a:rPr>
+              <a:t>Approach</a:t>
+            </a:r>
+            <a:r>
+              <a:rPr lang="en-US" dirty="0">
+                <a:sym typeface="Wingdings" panose="05000000000000000000" pitchFamily="2" charset="2"/>
+              </a:rPr>
+              <a:t> </a:t>
+            </a:r>
+          </a:p>
+          <a:p>
+            <a:pPr lvl="1"/>
+            <a:r>
+              <a:rPr lang="en-US" dirty="0">
+                <a:sym typeface="Wingdings" panose="05000000000000000000" pitchFamily="2" charset="2"/>
+              </a:rPr>
+              <a:t>Neural network works on hourly basis  Estimates one cost value</a:t>
+            </a:r>
+          </a:p>
+          <a:p>
+            <a:pPr lvl="1"/>
+            <a:r>
+              <a:rPr lang="en-US" dirty="0">
+                <a:sym typeface="Wingdings" panose="05000000000000000000" pitchFamily="2" charset="2"/>
+              </a:rPr>
+              <a:t>Single output (cost)</a:t>
+            </a:r>
+          </a:p>
+          <a:p>
+            <a:pPr lvl="1"/>
+            <a:r>
+              <a:rPr lang="en-US" dirty="0">
+                <a:sym typeface="Wingdings" panose="05000000000000000000" pitchFamily="2" charset="2"/>
+              </a:rPr>
+              <a:t>Input contains</a:t>
+            </a:r>
+          </a:p>
+          <a:p>
+            <a:pPr lvl="2"/>
+            <a:r>
+              <a:rPr lang="en-US" dirty="0">
+                <a:sym typeface="Wingdings" panose="05000000000000000000" pitchFamily="2" charset="2"/>
+              </a:rPr>
+              <a:t>Demand (per node)</a:t>
+            </a:r>
+          </a:p>
+          <a:p>
+            <a:pPr lvl="2"/>
+            <a:r>
+              <a:rPr lang="en-US" dirty="0">
+                <a:sym typeface="Wingdings" panose="05000000000000000000" pitchFamily="2" charset="2"/>
+              </a:rPr>
+              <a:t>Renewable availability factors (per technology per location)</a:t>
+            </a:r>
+          </a:p>
+          <a:p>
+            <a:pPr lvl="2"/>
+            <a:r>
+              <a:rPr lang="en-US" dirty="0">
+                <a:sym typeface="Wingdings" panose="05000000000000000000" pitchFamily="2" charset="2"/>
+              </a:rPr>
+              <a:t>Admittance matrix</a:t>
+            </a:r>
+          </a:p>
+          <a:p>
+            <a:pPr lvl="1">
+              <a:buFont typeface="Wingdings" panose="05000000000000000000" pitchFamily="2" charset="2"/>
+              <a:buChar char="à"/>
+            </a:pPr>
+            <a:r>
+              <a:rPr lang="en-US" dirty="0">
+                <a:sym typeface="Wingdings" panose="05000000000000000000" pitchFamily="2" charset="2"/>
+              </a:rPr>
+              <a:t>Size of input vector quickly grows with number of buses</a:t>
+            </a:r>
+          </a:p>
+          <a:p>
+            <a:pPr lvl="1"/>
+            <a:endParaRPr lang="en-US" dirty="0">
+              <a:sym typeface="Wingdings" panose="05000000000000000000" pitchFamily="2" charset="2"/>
+            </a:endParaRPr>
+          </a:p>
+          <a:p>
+            <a:pPr marL="914400" lvl="2" indent="0">
+              <a:buNone/>
+            </a:pPr>
+            <a:endParaRPr lang="en-US" dirty="0">
+              <a:sym typeface="Wingdings" panose="05000000000000000000" pitchFamily="2" charset="2"/>
+            </a:endParaRPr>
+          </a:p>
+          <a:p>
+            <a:pPr lvl="2"/>
+            <a:endParaRPr lang="en-US" dirty="0">
+              <a:sym typeface="Wingdings" panose="05000000000000000000" pitchFamily="2" charset="2"/>
+            </a:endParaRPr>
+          </a:p>
+          <a:p>
+            <a:pPr lvl="1"/>
+            <a:endParaRPr lang="en-US" dirty="0">
+              <a:sym typeface="Wingdings" panose="05000000000000000000" pitchFamily="2" charset="2"/>
+            </a:endParaRPr>
+          </a:p>
+          <a:p>
+            <a:pPr lvl="1"/>
+            <a:endParaRPr lang="en-US" dirty="0"/>
+          </a:p>
+          <a:p>
+            <a:pPr lvl="1"/>
+            <a:endParaRPr lang="en-US" dirty="0"/>
+          </a:p>
+        </p:txBody>
+      </p:sp>
+      <p:sp>
+        <p:nvSpPr>
           <p:cNvPr id="3" name="Footer Placeholder 2"/>
           <p:cNvSpPr>
             <a:spLocks noGrp="1"/>
@@ -19525,7 +19822,7 @@
           <a:lstStyle/>
           <a:p>
             <a:r>
-              <a:rPr lang="nl-NL"/>
+              <a:rPr lang="nl-NL" dirty="0"/>
               <a:t>Ingenieurswetenschappen, Werktuigkunde, TME</a:t>
             </a:r>
           </a:p>
@@ -19549,6 +19846,1685 @@
             <a:fld id="{0A297500-7527-634B-90F4-69D0994C32B4}" type="slidenum">
               <a:rPr lang="nl-NL" smtClean="0"/>
               <a:t>6</a:t>
+            </a:fld>
+            <a:endParaRPr lang="nl-NL"/>
+          </a:p>
+        </p:txBody>
+      </p:sp>
+      <p:sp>
+        <p:nvSpPr>
+          <p:cNvPr id="5" name="Title 4"/>
+          <p:cNvSpPr>
+            <a:spLocks noGrp="1"/>
+          </p:cNvSpPr>
+          <p:nvPr>
+            <p:ph type="title"/>
+          </p:nvPr>
+        </p:nvSpPr>
+        <p:spPr/>
+        <p:txBody>
+          <a:bodyPr/>
+          <a:lstStyle/>
+          <a:p>
+            <a:r>
+              <a:rPr lang="en-US" dirty="0"/>
+              <a:t>Neural Network for cost estimation</a:t>
+            </a:r>
+          </a:p>
+        </p:txBody>
+      </p:sp>
+      <p:grpSp>
+        <p:nvGrpSpPr>
+          <p:cNvPr id="26" name="Group 25"/>
+          <p:cNvGrpSpPr/>
+          <p:nvPr/>
+        </p:nvGrpSpPr>
+        <p:grpSpPr>
+          <a:xfrm>
+            <a:off x="7339451" y="1789463"/>
+            <a:ext cx="1020404" cy="370867"/>
+            <a:chOff x="7339451" y="1728010"/>
+            <a:chExt cx="1020404" cy="370867"/>
+          </a:xfrm>
+        </p:grpSpPr>
+        <p:sp>
+          <p:nvSpPr>
+            <p:cNvPr id="6" name="Oval 5"/>
+            <p:cNvSpPr/>
+            <p:nvPr/>
+          </p:nvSpPr>
+          <p:spPr>
+            <a:xfrm>
+              <a:off x="7339451" y="1885203"/>
+              <a:ext cx="246711" cy="213674"/>
+            </a:xfrm>
+            <a:prstGeom prst="ellipse">
+              <a:avLst/>
+            </a:prstGeom>
+          </p:spPr>
+          <p:style>
+            <a:lnRef idx="2">
+              <a:schemeClr val="accent1">
+                <a:shade val="50000"/>
+              </a:schemeClr>
+            </a:lnRef>
+            <a:fillRef idx="1">
+              <a:schemeClr val="accent1"/>
+            </a:fillRef>
+            <a:effectRef idx="0">
+              <a:schemeClr val="accent1"/>
+            </a:effectRef>
+            <a:fontRef idx="minor">
+              <a:schemeClr val="lt1"/>
+            </a:fontRef>
+          </p:style>
+          <p:txBody>
+            <a:bodyPr rtlCol="0" anchor="ctr"/>
+            <a:lstStyle/>
+            <a:p>
+              <a:pPr algn="ctr"/>
+              <a:endParaRPr lang="en-US"/>
+            </a:p>
+          </p:txBody>
+        </p:sp>
+        <p:sp>
+          <p:nvSpPr>
+            <p:cNvPr id="7" name="Oval 6"/>
+            <p:cNvSpPr/>
+            <p:nvPr/>
+          </p:nvSpPr>
+          <p:spPr>
+            <a:xfrm>
+              <a:off x="7600671" y="1885203"/>
+              <a:ext cx="246711" cy="213674"/>
+            </a:xfrm>
+            <a:prstGeom prst="ellipse">
+              <a:avLst/>
+            </a:prstGeom>
+          </p:spPr>
+          <p:style>
+            <a:lnRef idx="2">
+              <a:schemeClr val="accent1">
+                <a:shade val="50000"/>
+              </a:schemeClr>
+            </a:lnRef>
+            <a:fillRef idx="1">
+              <a:schemeClr val="accent1"/>
+            </a:fillRef>
+            <a:effectRef idx="0">
+              <a:schemeClr val="accent1"/>
+            </a:effectRef>
+            <a:fontRef idx="minor">
+              <a:schemeClr val="lt1"/>
+            </a:fontRef>
+          </p:style>
+          <p:txBody>
+            <a:bodyPr rtlCol="0" anchor="ctr"/>
+            <a:lstStyle/>
+            <a:p>
+              <a:pPr algn="ctr"/>
+              <a:endParaRPr lang="en-US"/>
+            </a:p>
+          </p:txBody>
+        </p:sp>
+        <p:sp>
+          <p:nvSpPr>
+            <p:cNvPr id="9" name="Oval 8"/>
+            <p:cNvSpPr/>
+            <p:nvPr/>
+          </p:nvSpPr>
+          <p:spPr>
+            <a:xfrm>
+              <a:off x="8113144" y="1885203"/>
+              <a:ext cx="246711" cy="213674"/>
+            </a:xfrm>
+            <a:prstGeom prst="ellipse">
+              <a:avLst/>
+            </a:prstGeom>
+          </p:spPr>
+          <p:style>
+            <a:lnRef idx="2">
+              <a:schemeClr val="accent1">
+                <a:shade val="50000"/>
+              </a:schemeClr>
+            </a:lnRef>
+            <a:fillRef idx="1">
+              <a:schemeClr val="accent1"/>
+            </a:fillRef>
+            <a:effectRef idx="0">
+              <a:schemeClr val="accent1"/>
+            </a:effectRef>
+            <a:fontRef idx="minor">
+              <a:schemeClr val="lt1"/>
+            </a:fontRef>
+          </p:style>
+          <p:txBody>
+            <a:bodyPr rtlCol="0" anchor="ctr"/>
+            <a:lstStyle/>
+            <a:p>
+              <a:pPr algn="ctr"/>
+              <a:endParaRPr lang="en-US"/>
+            </a:p>
+          </p:txBody>
+        </p:sp>
+        <p:sp>
+          <p:nvSpPr>
+            <p:cNvPr id="10" name="TextBox 9"/>
+            <p:cNvSpPr txBox="1"/>
+            <p:nvPr/>
+          </p:nvSpPr>
+          <p:spPr>
+            <a:xfrm>
+              <a:off x="7768774" y="1728010"/>
+              <a:ext cx="415499" cy="369332"/>
+            </a:xfrm>
+            <a:prstGeom prst="rect">
+              <a:avLst/>
+            </a:prstGeom>
+            <a:noFill/>
+          </p:spPr>
+          <p:txBody>
+            <a:bodyPr wrap="none" rtlCol="0" anchor="ctr">
+              <a:spAutoFit/>
+            </a:bodyPr>
+            <a:lstStyle/>
+            <a:p>
+              <a:pPr algn="ctr"/>
+              <a:r>
+                <a:rPr lang="en-US" dirty="0"/>
+                <a:t>…</a:t>
+              </a:r>
+            </a:p>
+          </p:txBody>
+        </p:sp>
+      </p:grpSp>
+      <p:sp>
+        <p:nvSpPr>
+          <p:cNvPr id="38" name="Rounded Rectangle 37"/>
+          <p:cNvSpPr/>
+          <p:nvPr/>
+        </p:nvSpPr>
+        <p:spPr>
+          <a:xfrm>
+            <a:off x="5469775" y="1918005"/>
+            <a:ext cx="1109206" cy="196550"/>
+          </a:xfrm>
+          <a:prstGeom prst="roundRect">
+            <a:avLst/>
+          </a:prstGeom>
+        </p:spPr>
+        <p:style>
+          <a:lnRef idx="2">
+            <a:schemeClr val="accent1">
+              <a:shade val="50000"/>
+            </a:schemeClr>
+          </a:lnRef>
+          <a:fillRef idx="1">
+            <a:schemeClr val="accent1"/>
+          </a:fillRef>
+          <a:effectRef idx="0">
+            <a:schemeClr val="accent1"/>
+          </a:effectRef>
+          <a:fontRef idx="minor">
+            <a:schemeClr val="lt1"/>
+          </a:fontRef>
+        </p:style>
+        <p:txBody>
+          <a:bodyPr rtlCol="0" anchor="ctr"/>
+          <a:lstStyle/>
+          <a:p>
+            <a:pPr algn="ctr"/>
+            <a:r>
+              <a:rPr lang="en-US" sz="1200" dirty="0"/>
+              <a:t>Input layer</a:t>
+            </a:r>
+          </a:p>
+        </p:txBody>
+      </p:sp>
+      <p:sp>
+        <p:nvSpPr>
+          <p:cNvPr id="49" name="Rounded Rectangle 48"/>
+          <p:cNvSpPr/>
+          <p:nvPr/>
+        </p:nvSpPr>
+        <p:spPr>
+          <a:xfrm>
+            <a:off x="5522922" y="5488070"/>
+            <a:ext cx="1420515" cy="196550"/>
+          </a:xfrm>
+          <a:prstGeom prst="roundRect">
+            <a:avLst/>
+          </a:prstGeom>
+        </p:spPr>
+        <p:style>
+          <a:lnRef idx="2">
+            <a:schemeClr val="accent1">
+              <a:shade val="50000"/>
+            </a:schemeClr>
+          </a:lnRef>
+          <a:fillRef idx="1">
+            <a:schemeClr val="accent1"/>
+          </a:fillRef>
+          <a:effectRef idx="0">
+            <a:schemeClr val="accent1"/>
+          </a:effectRef>
+          <a:fontRef idx="minor">
+            <a:schemeClr val="lt1"/>
+          </a:fontRef>
+        </p:style>
+        <p:txBody>
+          <a:bodyPr rtlCol="0" anchor="ctr"/>
+          <a:lstStyle/>
+          <a:p>
+            <a:pPr algn="ctr"/>
+            <a:r>
+              <a:rPr lang="en-US" sz="1200" dirty="0"/>
+              <a:t>Single output</a:t>
+            </a:r>
+          </a:p>
+        </p:txBody>
+      </p:sp>
+      <p:sp>
+        <p:nvSpPr>
+          <p:cNvPr id="23" name="Oval 22"/>
+          <p:cNvSpPr/>
+          <p:nvPr/>
+        </p:nvSpPr>
+        <p:spPr>
+          <a:xfrm>
+            <a:off x="9391601" y="5469661"/>
+            <a:ext cx="246711" cy="213674"/>
+          </a:xfrm>
+          <a:prstGeom prst="ellipse">
+            <a:avLst/>
+          </a:prstGeom>
+        </p:spPr>
+        <p:style>
+          <a:lnRef idx="2">
+            <a:schemeClr val="accent1">
+              <a:shade val="50000"/>
+            </a:schemeClr>
+          </a:lnRef>
+          <a:fillRef idx="1">
+            <a:schemeClr val="accent1"/>
+          </a:fillRef>
+          <a:effectRef idx="0">
+            <a:schemeClr val="accent1"/>
+          </a:effectRef>
+          <a:fontRef idx="minor">
+            <a:schemeClr val="lt1"/>
+          </a:fontRef>
+        </p:style>
+        <p:txBody>
+          <a:bodyPr rtlCol="0" anchor="ctr"/>
+          <a:lstStyle/>
+          <a:p>
+            <a:pPr algn="ctr"/>
+            <a:endParaRPr lang="en-US"/>
+          </a:p>
+        </p:txBody>
+      </p:sp>
+      <p:grpSp>
+        <p:nvGrpSpPr>
+          <p:cNvPr id="24" name="Group 23"/>
+          <p:cNvGrpSpPr/>
+          <p:nvPr/>
+        </p:nvGrpSpPr>
+        <p:grpSpPr>
+          <a:xfrm>
+            <a:off x="8737255" y="1789463"/>
+            <a:ext cx="1020404" cy="370867"/>
+            <a:chOff x="7339451" y="1728010"/>
+            <a:chExt cx="1020404" cy="370867"/>
+          </a:xfrm>
+        </p:grpSpPr>
+        <p:sp>
+          <p:nvSpPr>
+            <p:cNvPr id="25" name="Oval 24"/>
+            <p:cNvSpPr/>
+            <p:nvPr/>
+          </p:nvSpPr>
+          <p:spPr>
+            <a:xfrm>
+              <a:off x="7339451" y="1885203"/>
+              <a:ext cx="246711" cy="213674"/>
+            </a:xfrm>
+            <a:prstGeom prst="ellipse">
+              <a:avLst/>
+            </a:prstGeom>
+          </p:spPr>
+          <p:style>
+            <a:lnRef idx="2">
+              <a:schemeClr val="accent1">
+                <a:shade val="50000"/>
+              </a:schemeClr>
+            </a:lnRef>
+            <a:fillRef idx="1">
+              <a:schemeClr val="accent1"/>
+            </a:fillRef>
+            <a:effectRef idx="0">
+              <a:schemeClr val="accent1"/>
+            </a:effectRef>
+            <a:fontRef idx="minor">
+              <a:schemeClr val="lt1"/>
+            </a:fontRef>
+          </p:style>
+          <p:txBody>
+            <a:bodyPr rtlCol="0" anchor="ctr"/>
+            <a:lstStyle/>
+            <a:p>
+              <a:pPr algn="ctr"/>
+              <a:endParaRPr lang="en-US"/>
+            </a:p>
+          </p:txBody>
+        </p:sp>
+        <p:sp>
+          <p:nvSpPr>
+            <p:cNvPr id="37" name="Oval 36"/>
+            <p:cNvSpPr/>
+            <p:nvPr/>
+          </p:nvSpPr>
+          <p:spPr>
+            <a:xfrm>
+              <a:off x="7600671" y="1885203"/>
+              <a:ext cx="246711" cy="213674"/>
+            </a:xfrm>
+            <a:prstGeom prst="ellipse">
+              <a:avLst/>
+            </a:prstGeom>
+          </p:spPr>
+          <p:style>
+            <a:lnRef idx="2">
+              <a:schemeClr val="accent1">
+                <a:shade val="50000"/>
+              </a:schemeClr>
+            </a:lnRef>
+            <a:fillRef idx="1">
+              <a:schemeClr val="accent1"/>
+            </a:fillRef>
+            <a:effectRef idx="0">
+              <a:schemeClr val="accent1"/>
+            </a:effectRef>
+            <a:fontRef idx="minor">
+              <a:schemeClr val="lt1"/>
+            </a:fontRef>
+          </p:style>
+          <p:txBody>
+            <a:bodyPr rtlCol="0" anchor="ctr"/>
+            <a:lstStyle/>
+            <a:p>
+              <a:pPr algn="ctr"/>
+              <a:endParaRPr lang="en-US"/>
+            </a:p>
+          </p:txBody>
+        </p:sp>
+        <p:sp>
+          <p:nvSpPr>
+            <p:cNvPr id="39" name="Oval 38"/>
+            <p:cNvSpPr/>
+            <p:nvPr/>
+          </p:nvSpPr>
+          <p:spPr>
+            <a:xfrm>
+              <a:off x="8113144" y="1885203"/>
+              <a:ext cx="246711" cy="213674"/>
+            </a:xfrm>
+            <a:prstGeom prst="ellipse">
+              <a:avLst/>
+            </a:prstGeom>
+          </p:spPr>
+          <p:style>
+            <a:lnRef idx="2">
+              <a:schemeClr val="accent1">
+                <a:shade val="50000"/>
+              </a:schemeClr>
+            </a:lnRef>
+            <a:fillRef idx="1">
+              <a:schemeClr val="accent1"/>
+            </a:fillRef>
+            <a:effectRef idx="0">
+              <a:schemeClr val="accent1"/>
+            </a:effectRef>
+            <a:fontRef idx="minor">
+              <a:schemeClr val="lt1"/>
+            </a:fontRef>
+          </p:style>
+          <p:txBody>
+            <a:bodyPr rtlCol="0" anchor="ctr"/>
+            <a:lstStyle/>
+            <a:p>
+              <a:pPr algn="ctr"/>
+              <a:endParaRPr lang="en-US"/>
+            </a:p>
+          </p:txBody>
+        </p:sp>
+        <p:sp>
+          <p:nvSpPr>
+            <p:cNvPr id="40" name="TextBox 39"/>
+            <p:cNvSpPr txBox="1"/>
+            <p:nvPr/>
+          </p:nvSpPr>
+          <p:spPr>
+            <a:xfrm>
+              <a:off x="7768774" y="1728010"/>
+              <a:ext cx="415499" cy="369332"/>
+            </a:xfrm>
+            <a:prstGeom prst="rect">
+              <a:avLst/>
+            </a:prstGeom>
+            <a:noFill/>
+          </p:spPr>
+          <p:txBody>
+            <a:bodyPr wrap="none" rtlCol="0" anchor="ctr">
+              <a:spAutoFit/>
+            </a:bodyPr>
+            <a:lstStyle/>
+            <a:p>
+              <a:pPr algn="ctr"/>
+              <a:r>
+                <a:rPr lang="en-US" dirty="0"/>
+                <a:t>…</a:t>
+              </a:r>
+            </a:p>
+          </p:txBody>
+        </p:sp>
+      </p:grpSp>
+      <p:grpSp>
+        <p:nvGrpSpPr>
+          <p:cNvPr id="41" name="Group 40"/>
+          <p:cNvGrpSpPr/>
+          <p:nvPr/>
+        </p:nvGrpSpPr>
+        <p:grpSpPr>
+          <a:xfrm>
+            <a:off x="10438132" y="1789463"/>
+            <a:ext cx="1020404" cy="370867"/>
+            <a:chOff x="7339451" y="1728010"/>
+            <a:chExt cx="1020404" cy="370867"/>
+          </a:xfrm>
+        </p:grpSpPr>
+        <p:sp>
+          <p:nvSpPr>
+            <p:cNvPr id="42" name="Oval 41"/>
+            <p:cNvSpPr/>
+            <p:nvPr/>
+          </p:nvSpPr>
+          <p:spPr>
+            <a:xfrm>
+              <a:off x="7339451" y="1885203"/>
+              <a:ext cx="246711" cy="213674"/>
+            </a:xfrm>
+            <a:prstGeom prst="ellipse">
+              <a:avLst/>
+            </a:prstGeom>
+          </p:spPr>
+          <p:style>
+            <a:lnRef idx="2">
+              <a:schemeClr val="accent1">
+                <a:shade val="50000"/>
+              </a:schemeClr>
+            </a:lnRef>
+            <a:fillRef idx="1">
+              <a:schemeClr val="accent1"/>
+            </a:fillRef>
+            <a:effectRef idx="0">
+              <a:schemeClr val="accent1"/>
+            </a:effectRef>
+            <a:fontRef idx="minor">
+              <a:schemeClr val="lt1"/>
+            </a:fontRef>
+          </p:style>
+          <p:txBody>
+            <a:bodyPr rtlCol="0" anchor="ctr"/>
+            <a:lstStyle/>
+            <a:p>
+              <a:pPr algn="ctr"/>
+              <a:endParaRPr lang="en-US"/>
+            </a:p>
+          </p:txBody>
+        </p:sp>
+        <p:sp>
+          <p:nvSpPr>
+            <p:cNvPr id="43" name="Oval 42"/>
+            <p:cNvSpPr/>
+            <p:nvPr/>
+          </p:nvSpPr>
+          <p:spPr>
+            <a:xfrm>
+              <a:off x="7600671" y="1885203"/>
+              <a:ext cx="246711" cy="213674"/>
+            </a:xfrm>
+            <a:prstGeom prst="ellipse">
+              <a:avLst/>
+            </a:prstGeom>
+          </p:spPr>
+          <p:style>
+            <a:lnRef idx="2">
+              <a:schemeClr val="accent1">
+                <a:shade val="50000"/>
+              </a:schemeClr>
+            </a:lnRef>
+            <a:fillRef idx="1">
+              <a:schemeClr val="accent1"/>
+            </a:fillRef>
+            <a:effectRef idx="0">
+              <a:schemeClr val="accent1"/>
+            </a:effectRef>
+            <a:fontRef idx="minor">
+              <a:schemeClr val="lt1"/>
+            </a:fontRef>
+          </p:style>
+          <p:txBody>
+            <a:bodyPr rtlCol="0" anchor="ctr"/>
+            <a:lstStyle/>
+            <a:p>
+              <a:pPr algn="ctr"/>
+              <a:endParaRPr lang="en-US"/>
+            </a:p>
+          </p:txBody>
+        </p:sp>
+        <p:sp>
+          <p:nvSpPr>
+            <p:cNvPr id="44" name="Oval 43"/>
+            <p:cNvSpPr/>
+            <p:nvPr/>
+          </p:nvSpPr>
+          <p:spPr>
+            <a:xfrm>
+              <a:off x="8113144" y="1885203"/>
+              <a:ext cx="246711" cy="213674"/>
+            </a:xfrm>
+            <a:prstGeom prst="ellipse">
+              <a:avLst/>
+            </a:prstGeom>
+          </p:spPr>
+          <p:style>
+            <a:lnRef idx="2">
+              <a:schemeClr val="accent1">
+                <a:shade val="50000"/>
+              </a:schemeClr>
+            </a:lnRef>
+            <a:fillRef idx="1">
+              <a:schemeClr val="accent1"/>
+            </a:fillRef>
+            <a:effectRef idx="0">
+              <a:schemeClr val="accent1"/>
+            </a:effectRef>
+            <a:fontRef idx="minor">
+              <a:schemeClr val="lt1"/>
+            </a:fontRef>
+          </p:style>
+          <p:txBody>
+            <a:bodyPr rtlCol="0" anchor="ctr"/>
+            <a:lstStyle/>
+            <a:p>
+              <a:pPr algn="ctr"/>
+              <a:endParaRPr lang="en-US"/>
+            </a:p>
+          </p:txBody>
+        </p:sp>
+        <p:sp>
+          <p:nvSpPr>
+            <p:cNvPr id="45" name="TextBox 44"/>
+            <p:cNvSpPr txBox="1"/>
+            <p:nvPr/>
+          </p:nvSpPr>
+          <p:spPr>
+            <a:xfrm>
+              <a:off x="7768774" y="1728010"/>
+              <a:ext cx="415499" cy="369332"/>
+            </a:xfrm>
+            <a:prstGeom prst="rect">
+              <a:avLst/>
+            </a:prstGeom>
+            <a:noFill/>
+          </p:spPr>
+          <p:txBody>
+            <a:bodyPr wrap="none" rtlCol="0" anchor="ctr">
+              <a:spAutoFit/>
+            </a:bodyPr>
+            <a:lstStyle/>
+            <a:p>
+              <a:pPr algn="ctr"/>
+              <a:r>
+                <a:rPr lang="en-US" dirty="0"/>
+                <a:t>…</a:t>
+              </a:r>
+            </a:p>
+          </p:txBody>
+        </p:sp>
+      </p:grpSp>
+      <p:sp>
+        <p:nvSpPr>
+          <p:cNvPr id="52" name="Rounded Rectangle 51"/>
+          <p:cNvSpPr/>
+          <p:nvPr/>
+        </p:nvSpPr>
+        <p:spPr>
+          <a:xfrm>
+            <a:off x="7268380" y="1534761"/>
+            <a:ext cx="1109206" cy="196550"/>
+          </a:xfrm>
+          <a:prstGeom prst="roundRect">
+            <a:avLst/>
+          </a:prstGeom>
+          <a:solidFill>
+            <a:schemeClr val="accent3"/>
+          </a:solidFill>
+        </p:spPr>
+        <p:style>
+          <a:lnRef idx="2">
+            <a:schemeClr val="accent1">
+              <a:shade val="50000"/>
+            </a:schemeClr>
+          </a:lnRef>
+          <a:fillRef idx="1">
+            <a:schemeClr val="accent1"/>
+          </a:fillRef>
+          <a:effectRef idx="0">
+            <a:schemeClr val="accent1"/>
+          </a:effectRef>
+          <a:fontRef idx="minor">
+            <a:schemeClr val="lt1"/>
+          </a:fontRef>
+        </p:style>
+        <p:txBody>
+          <a:bodyPr rtlCol="0" anchor="ctr"/>
+          <a:lstStyle/>
+          <a:p>
+            <a:pPr algn="ctr"/>
+            <a:r>
+              <a:rPr lang="en-US" sz="1200" dirty="0"/>
+              <a:t>Demands</a:t>
+            </a:r>
+          </a:p>
+        </p:txBody>
+      </p:sp>
+      <p:cxnSp>
+        <p:nvCxnSpPr>
+          <p:cNvPr id="11" name="Straight Connector 10"/>
+          <p:cNvCxnSpPr/>
+          <p:nvPr/>
+        </p:nvCxnSpPr>
+        <p:spPr>
+          <a:xfrm>
+            <a:off x="7007629" y="1512420"/>
+            <a:ext cx="64509" cy="4414555"/>
+          </a:xfrm>
+          <a:prstGeom prst="line">
+            <a:avLst/>
+          </a:prstGeom>
+          <a:ln>
+            <a:prstDash val="dash"/>
+          </a:ln>
+        </p:spPr>
+        <p:style>
+          <a:lnRef idx="1">
+            <a:schemeClr val="accent1"/>
+          </a:lnRef>
+          <a:fillRef idx="0">
+            <a:schemeClr val="accent1"/>
+          </a:fillRef>
+          <a:effectRef idx="0">
+            <a:schemeClr val="accent1"/>
+          </a:effectRef>
+          <a:fontRef idx="minor">
+            <a:schemeClr val="tx1"/>
+          </a:fontRef>
+        </p:style>
+      </p:cxnSp>
+      <p:sp>
+        <p:nvSpPr>
+          <p:cNvPr id="53" name="Rounded Rectangle 52"/>
+          <p:cNvSpPr/>
+          <p:nvPr/>
+        </p:nvSpPr>
+        <p:spPr>
+          <a:xfrm>
+            <a:off x="8779873" y="1539250"/>
+            <a:ext cx="1109206" cy="196550"/>
+          </a:xfrm>
+          <a:prstGeom prst="roundRect">
+            <a:avLst/>
+          </a:prstGeom>
+          <a:solidFill>
+            <a:schemeClr val="accent3"/>
+          </a:solidFill>
+        </p:spPr>
+        <p:style>
+          <a:lnRef idx="2">
+            <a:schemeClr val="accent1">
+              <a:shade val="50000"/>
+            </a:schemeClr>
+          </a:lnRef>
+          <a:fillRef idx="1">
+            <a:schemeClr val="accent1"/>
+          </a:fillRef>
+          <a:effectRef idx="0">
+            <a:schemeClr val="accent1"/>
+          </a:effectRef>
+          <a:fontRef idx="minor">
+            <a:schemeClr val="lt1"/>
+          </a:fontRef>
+        </p:style>
+        <p:txBody>
+          <a:bodyPr rtlCol="0" anchor="ctr"/>
+          <a:lstStyle/>
+          <a:p>
+            <a:pPr algn="ctr"/>
+            <a:r>
+              <a:rPr lang="en-US" sz="1200" dirty="0"/>
+              <a:t>Availabilities</a:t>
+            </a:r>
+          </a:p>
+        </p:txBody>
+      </p:sp>
+      <p:sp>
+        <p:nvSpPr>
+          <p:cNvPr id="55" name="Rounded Rectangle 54"/>
+          <p:cNvSpPr/>
+          <p:nvPr/>
+        </p:nvSpPr>
+        <p:spPr>
+          <a:xfrm>
+            <a:off x="10177411" y="1530825"/>
+            <a:ext cx="1537304" cy="213401"/>
+          </a:xfrm>
+          <a:prstGeom prst="roundRect">
+            <a:avLst/>
+          </a:prstGeom>
+          <a:solidFill>
+            <a:schemeClr val="accent3"/>
+          </a:solidFill>
+        </p:spPr>
+        <p:style>
+          <a:lnRef idx="2">
+            <a:schemeClr val="accent1">
+              <a:shade val="50000"/>
+            </a:schemeClr>
+          </a:lnRef>
+          <a:fillRef idx="1">
+            <a:schemeClr val="accent1"/>
+          </a:fillRef>
+          <a:effectRef idx="0">
+            <a:schemeClr val="accent1"/>
+          </a:effectRef>
+          <a:fontRef idx="minor">
+            <a:schemeClr val="lt1"/>
+          </a:fontRef>
+        </p:style>
+        <p:txBody>
+          <a:bodyPr rtlCol="0" anchor="ctr"/>
+          <a:lstStyle/>
+          <a:p>
+            <a:pPr algn="ctr"/>
+            <a:r>
+              <a:rPr lang="en-US" sz="1200" dirty="0"/>
+              <a:t>Admittance matrix</a:t>
+            </a:r>
+          </a:p>
+        </p:txBody>
+      </p:sp>
+      <p:sp>
+        <p:nvSpPr>
+          <p:cNvPr id="56" name="Rounded Rectangle 55"/>
+          <p:cNvSpPr/>
+          <p:nvPr/>
+        </p:nvSpPr>
+        <p:spPr>
+          <a:xfrm>
+            <a:off x="5522922" y="3325527"/>
+            <a:ext cx="1109206" cy="196550"/>
+          </a:xfrm>
+          <a:prstGeom prst="roundRect">
+            <a:avLst/>
+          </a:prstGeom>
+        </p:spPr>
+        <p:style>
+          <a:lnRef idx="2">
+            <a:schemeClr val="accent1">
+              <a:shade val="50000"/>
+            </a:schemeClr>
+          </a:lnRef>
+          <a:fillRef idx="1">
+            <a:schemeClr val="accent1"/>
+          </a:fillRef>
+          <a:effectRef idx="0">
+            <a:schemeClr val="accent1"/>
+          </a:effectRef>
+          <a:fontRef idx="minor">
+            <a:schemeClr val="lt1"/>
+          </a:fontRef>
+        </p:style>
+        <p:txBody>
+          <a:bodyPr rtlCol="0" anchor="ctr"/>
+          <a:lstStyle/>
+          <a:p>
+            <a:pPr algn="ctr"/>
+            <a:r>
+              <a:rPr lang="en-US" sz="1200" dirty="0"/>
+              <a:t>Hidden layer</a:t>
+            </a:r>
+          </a:p>
+        </p:txBody>
+      </p:sp>
+      <p:grpSp>
+        <p:nvGrpSpPr>
+          <p:cNvPr id="57" name="Group 56"/>
+          <p:cNvGrpSpPr/>
+          <p:nvPr/>
+        </p:nvGrpSpPr>
+        <p:grpSpPr>
+          <a:xfrm>
+            <a:off x="8960009" y="3198480"/>
+            <a:ext cx="1020404" cy="370867"/>
+            <a:chOff x="7339451" y="1728010"/>
+            <a:chExt cx="1020404" cy="370867"/>
+          </a:xfrm>
+        </p:grpSpPr>
+        <p:sp>
+          <p:nvSpPr>
+            <p:cNvPr id="58" name="Oval 57"/>
+            <p:cNvSpPr/>
+            <p:nvPr/>
+          </p:nvSpPr>
+          <p:spPr>
+            <a:xfrm>
+              <a:off x="7339451" y="1885203"/>
+              <a:ext cx="246711" cy="213674"/>
+            </a:xfrm>
+            <a:prstGeom prst="ellipse">
+              <a:avLst/>
+            </a:prstGeom>
+          </p:spPr>
+          <p:style>
+            <a:lnRef idx="2">
+              <a:schemeClr val="accent1">
+                <a:shade val="50000"/>
+              </a:schemeClr>
+            </a:lnRef>
+            <a:fillRef idx="1">
+              <a:schemeClr val="accent1"/>
+            </a:fillRef>
+            <a:effectRef idx="0">
+              <a:schemeClr val="accent1"/>
+            </a:effectRef>
+            <a:fontRef idx="minor">
+              <a:schemeClr val="lt1"/>
+            </a:fontRef>
+          </p:style>
+          <p:txBody>
+            <a:bodyPr rtlCol="0" anchor="ctr"/>
+            <a:lstStyle/>
+            <a:p>
+              <a:pPr algn="ctr"/>
+              <a:endParaRPr lang="en-US"/>
+            </a:p>
+          </p:txBody>
+        </p:sp>
+        <p:sp>
+          <p:nvSpPr>
+            <p:cNvPr id="59" name="Oval 58"/>
+            <p:cNvSpPr/>
+            <p:nvPr/>
+          </p:nvSpPr>
+          <p:spPr>
+            <a:xfrm>
+              <a:off x="7600671" y="1885203"/>
+              <a:ext cx="246711" cy="213674"/>
+            </a:xfrm>
+            <a:prstGeom prst="ellipse">
+              <a:avLst/>
+            </a:prstGeom>
+          </p:spPr>
+          <p:style>
+            <a:lnRef idx="2">
+              <a:schemeClr val="accent1">
+                <a:shade val="50000"/>
+              </a:schemeClr>
+            </a:lnRef>
+            <a:fillRef idx="1">
+              <a:schemeClr val="accent1"/>
+            </a:fillRef>
+            <a:effectRef idx="0">
+              <a:schemeClr val="accent1"/>
+            </a:effectRef>
+            <a:fontRef idx="minor">
+              <a:schemeClr val="lt1"/>
+            </a:fontRef>
+          </p:style>
+          <p:txBody>
+            <a:bodyPr rtlCol="0" anchor="ctr"/>
+            <a:lstStyle/>
+            <a:p>
+              <a:pPr algn="ctr"/>
+              <a:endParaRPr lang="en-US"/>
+            </a:p>
+          </p:txBody>
+        </p:sp>
+        <p:sp>
+          <p:nvSpPr>
+            <p:cNvPr id="60" name="Oval 59"/>
+            <p:cNvSpPr/>
+            <p:nvPr/>
+          </p:nvSpPr>
+          <p:spPr>
+            <a:xfrm>
+              <a:off x="8113144" y="1885203"/>
+              <a:ext cx="246711" cy="213674"/>
+            </a:xfrm>
+            <a:prstGeom prst="ellipse">
+              <a:avLst/>
+            </a:prstGeom>
+          </p:spPr>
+          <p:style>
+            <a:lnRef idx="2">
+              <a:schemeClr val="accent1">
+                <a:shade val="50000"/>
+              </a:schemeClr>
+            </a:lnRef>
+            <a:fillRef idx="1">
+              <a:schemeClr val="accent1"/>
+            </a:fillRef>
+            <a:effectRef idx="0">
+              <a:schemeClr val="accent1"/>
+            </a:effectRef>
+            <a:fontRef idx="minor">
+              <a:schemeClr val="lt1"/>
+            </a:fontRef>
+          </p:style>
+          <p:txBody>
+            <a:bodyPr rtlCol="0" anchor="ctr"/>
+            <a:lstStyle/>
+            <a:p>
+              <a:pPr algn="ctr"/>
+              <a:endParaRPr lang="en-US"/>
+            </a:p>
+          </p:txBody>
+        </p:sp>
+        <p:sp>
+          <p:nvSpPr>
+            <p:cNvPr id="61" name="TextBox 60"/>
+            <p:cNvSpPr txBox="1"/>
+            <p:nvPr/>
+          </p:nvSpPr>
+          <p:spPr>
+            <a:xfrm>
+              <a:off x="7768774" y="1728010"/>
+              <a:ext cx="415499" cy="369332"/>
+            </a:xfrm>
+            <a:prstGeom prst="rect">
+              <a:avLst/>
+            </a:prstGeom>
+            <a:noFill/>
+          </p:spPr>
+          <p:txBody>
+            <a:bodyPr wrap="none" rtlCol="0" anchor="ctr">
+              <a:spAutoFit/>
+            </a:bodyPr>
+            <a:lstStyle/>
+            <a:p>
+              <a:pPr algn="ctr"/>
+              <a:r>
+                <a:rPr lang="en-US" dirty="0"/>
+                <a:t>…</a:t>
+              </a:r>
+            </a:p>
+          </p:txBody>
+        </p:sp>
+      </p:grpSp>
+      <p:cxnSp>
+        <p:nvCxnSpPr>
+          <p:cNvPr id="13" name="Straight Arrow Connector 12"/>
+          <p:cNvCxnSpPr>
+            <a:stCxn id="6" idx="4"/>
+            <a:endCxn id="58" idx="0"/>
+          </p:cNvCxnSpPr>
+          <p:nvPr/>
+        </p:nvCxnSpPr>
+        <p:spPr>
+          <a:xfrm>
+            <a:off x="7462807" y="2160330"/>
+            <a:ext cx="1620558" cy="1195343"/>
+          </a:xfrm>
+          <a:prstGeom prst="straightConnector1">
+            <a:avLst/>
+          </a:prstGeom>
+          <a:ln>
+            <a:tailEnd type="triangle"/>
+          </a:ln>
+        </p:spPr>
+        <p:style>
+          <a:lnRef idx="1">
+            <a:schemeClr val="accent1"/>
+          </a:lnRef>
+          <a:fillRef idx="0">
+            <a:schemeClr val="accent1"/>
+          </a:fillRef>
+          <a:effectRef idx="0">
+            <a:schemeClr val="accent1"/>
+          </a:effectRef>
+          <a:fontRef idx="minor">
+            <a:schemeClr val="tx1"/>
+          </a:fontRef>
+        </p:style>
+      </p:cxnSp>
+      <p:cxnSp>
+        <p:nvCxnSpPr>
+          <p:cNvPr id="17" name="Straight Arrow Connector 16"/>
+          <p:cNvCxnSpPr>
+            <a:stCxn id="9" idx="4"/>
+            <a:endCxn id="58" idx="0"/>
+          </p:cNvCxnSpPr>
+          <p:nvPr/>
+        </p:nvCxnSpPr>
+        <p:spPr>
+          <a:xfrm>
+            <a:off x="8236500" y="2160330"/>
+            <a:ext cx="846865" cy="1195343"/>
+          </a:xfrm>
+          <a:prstGeom prst="straightConnector1">
+            <a:avLst/>
+          </a:prstGeom>
+          <a:ln>
+            <a:tailEnd type="triangle"/>
+          </a:ln>
+        </p:spPr>
+        <p:style>
+          <a:lnRef idx="1">
+            <a:schemeClr val="accent1"/>
+          </a:lnRef>
+          <a:fillRef idx="0">
+            <a:schemeClr val="accent1"/>
+          </a:fillRef>
+          <a:effectRef idx="0">
+            <a:schemeClr val="accent1"/>
+          </a:effectRef>
+          <a:fontRef idx="minor">
+            <a:schemeClr val="tx1"/>
+          </a:fontRef>
+        </p:style>
+      </p:cxnSp>
+      <p:cxnSp>
+        <p:nvCxnSpPr>
+          <p:cNvPr id="19" name="Straight Arrow Connector 18"/>
+          <p:cNvCxnSpPr>
+            <a:stCxn id="37" idx="4"/>
+            <a:endCxn id="58" idx="0"/>
+          </p:cNvCxnSpPr>
+          <p:nvPr/>
+        </p:nvCxnSpPr>
+        <p:spPr>
+          <a:xfrm flipH="1">
+            <a:off x="9083365" y="2160330"/>
+            <a:ext cx="38466" cy="1195343"/>
+          </a:xfrm>
+          <a:prstGeom prst="straightConnector1">
+            <a:avLst/>
+          </a:prstGeom>
+          <a:ln>
+            <a:tailEnd type="triangle"/>
+          </a:ln>
+        </p:spPr>
+        <p:style>
+          <a:lnRef idx="1">
+            <a:schemeClr val="accent1"/>
+          </a:lnRef>
+          <a:fillRef idx="0">
+            <a:schemeClr val="accent1"/>
+          </a:fillRef>
+          <a:effectRef idx="0">
+            <a:schemeClr val="accent1"/>
+          </a:effectRef>
+          <a:fontRef idx="minor">
+            <a:schemeClr val="tx1"/>
+          </a:fontRef>
+        </p:style>
+      </p:cxnSp>
+      <p:cxnSp>
+        <p:nvCxnSpPr>
+          <p:cNvPr id="62" name="Straight Arrow Connector 61"/>
+          <p:cNvCxnSpPr/>
+          <p:nvPr/>
+        </p:nvCxnSpPr>
+        <p:spPr>
+          <a:xfrm flipH="1">
+            <a:off x="9626138" y="2160330"/>
+            <a:ext cx="2618" cy="17605"/>
+          </a:xfrm>
+          <a:prstGeom prst="straightConnector1">
+            <a:avLst/>
+          </a:prstGeom>
+          <a:ln>
+            <a:tailEnd type="triangle"/>
+          </a:ln>
+        </p:spPr>
+        <p:style>
+          <a:lnRef idx="1">
+            <a:schemeClr val="accent1"/>
+          </a:lnRef>
+          <a:fillRef idx="0">
+            <a:schemeClr val="accent1"/>
+          </a:fillRef>
+          <a:effectRef idx="0">
+            <a:schemeClr val="accent1"/>
+          </a:effectRef>
+          <a:fontRef idx="minor">
+            <a:schemeClr val="tx1"/>
+          </a:fontRef>
+        </p:style>
+      </p:cxnSp>
+      <p:cxnSp>
+        <p:nvCxnSpPr>
+          <p:cNvPr id="63" name="Straight Arrow Connector 62"/>
+          <p:cNvCxnSpPr>
+            <a:stCxn id="42" idx="4"/>
+            <a:endCxn id="58" idx="0"/>
+          </p:cNvCxnSpPr>
+          <p:nvPr/>
+        </p:nvCxnSpPr>
+        <p:spPr>
+          <a:xfrm flipH="1">
+            <a:off x="9083365" y="2160330"/>
+            <a:ext cx="1478123" cy="1195343"/>
+          </a:xfrm>
+          <a:prstGeom prst="straightConnector1">
+            <a:avLst/>
+          </a:prstGeom>
+          <a:ln>
+            <a:tailEnd type="triangle"/>
+          </a:ln>
+        </p:spPr>
+        <p:style>
+          <a:lnRef idx="1">
+            <a:schemeClr val="accent1"/>
+          </a:lnRef>
+          <a:fillRef idx="0">
+            <a:schemeClr val="accent1"/>
+          </a:fillRef>
+          <a:effectRef idx="0">
+            <a:schemeClr val="accent1"/>
+          </a:effectRef>
+          <a:fontRef idx="minor">
+            <a:schemeClr val="tx1"/>
+          </a:fontRef>
+        </p:style>
+      </p:cxnSp>
+      <p:cxnSp>
+        <p:nvCxnSpPr>
+          <p:cNvPr id="64" name="Straight Arrow Connector 63"/>
+          <p:cNvCxnSpPr>
+            <a:stCxn id="44" idx="4"/>
+            <a:endCxn id="58" idx="0"/>
+          </p:cNvCxnSpPr>
+          <p:nvPr/>
+        </p:nvCxnSpPr>
+        <p:spPr>
+          <a:xfrm flipH="1">
+            <a:off x="9083365" y="2160330"/>
+            <a:ext cx="2251816" cy="1195343"/>
+          </a:xfrm>
+          <a:prstGeom prst="straightConnector1">
+            <a:avLst/>
+          </a:prstGeom>
+          <a:ln>
+            <a:tailEnd type="triangle"/>
+          </a:ln>
+        </p:spPr>
+        <p:style>
+          <a:lnRef idx="1">
+            <a:schemeClr val="accent1"/>
+          </a:lnRef>
+          <a:fillRef idx="0">
+            <a:schemeClr val="accent1"/>
+          </a:fillRef>
+          <a:effectRef idx="0">
+            <a:schemeClr val="accent1"/>
+          </a:effectRef>
+          <a:fontRef idx="minor">
+            <a:schemeClr val="tx1"/>
+          </a:fontRef>
+        </p:style>
+      </p:cxnSp>
+      <p:cxnSp>
+        <p:nvCxnSpPr>
+          <p:cNvPr id="65" name="Straight Arrow Connector 64"/>
+          <p:cNvCxnSpPr>
+            <a:stCxn id="7" idx="4"/>
+            <a:endCxn id="59" idx="0"/>
+          </p:cNvCxnSpPr>
+          <p:nvPr/>
+        </p:nvCxnSpPr>
+        <p:spPr>
+          <a:xfrm>
+            <a:off x="7724027" y="2160330"/>
+            <a:ext cx="1620558" cy="1195343"/>
+          </a:xfrm>
+          <a:prstGeom prst="straightConnector1">
+            <a:avLst/>
+          </a:prstGeom>
+          <a:ln>
+            <a:tailEnd type="triangle"/>
+          </a:ln>
+        </p:spPr>
+        <p:style>
+          <a:lnRef idx="1">
+            <a:schemeClr val="accent1"/>
+          </a:lnRef>
+          <a:fillRef idx="0">
+            <a:schemeClr val="accent1"/>
+          </a:fillRef>
+          <a:effectRef idx="0">
+            <a:schemeClr val="accent1"/>
+          </a:effectRef>
+          <a:fontRef idx="minor">
+            <a:schemeClr val="tx1"/>
+          </a:fontRef>
+        </p:style>
+      </p:cxnSp>
+      <p:cxnSp>
+        <p:nvCxnSpPr>
+          <p:cNvPr id="67" name="Straight Arrow Connector 66"/>
+          <p:cNvCxnSpPr>
+            <a:stCxn id="25" idx="4"/>
+            <a:endCxn id="59" idx="0"/>
+          </p:cNvCxnSpPr>
+          <p:nvPr/>
+        </p:nvCxnSpPr>
+        <p:spPr>
+          <a:xfrm>
+            <a:off x="8860611" y="2160330"/>
+            <a:ext cx="483974" cy="1195343"/>
+          </a:xfrm>
+          <a:prstGeom prst="straightConnector1">
+            <a:avLst/>
+          </a:prstGeom>
+          <a:ln>
+            <a:tailEnd type="triangle"/>
+          </a:ln>
+        </p:spPr>
+        <p:style>
+          <a:lnRef idx="1">
+            <a:schemeClr val="accent1"/>
+          </a:lnRef>
+          <a:fillRef idx="0">
+            <a:schemeClr val="accent1"/>
+          </a:fillRef>
+          <a:effectRef idx="0">
+            <a:schemeClr val="accent1"/>
+          </a:effectRef>
+          <a:fontRef idx="minor">
+            <a:schemeClr val="tx1"/>
+          </a:fontRef>
+        </p:style>
+      </p:cxnSp>
+      <p:cxnSp>
+        <p:nvCxnSpPr>
+          <p:cNvPr id="86" name="Straight Arrow Connector 85"/>
+          <p:cNvCxnSpPr>
+            <a:endCxn id="59" idx="0"/>
+          </p:cNvCxnSpPr>
+          <p:nvPr/>
+        </p:nvCxnSpPr>
+        <p:spPr>
+          <a:xfrm flipH="1">
+            <a:off x="9344585" y="2188528"/>
+            <a:ext cx="289718" cy="1167145"/>
+          </a:xfrm>
+          <a:prstGeom prst="straightConnector1">
+            <a:avLst/>
+          </a:prstGeom>
+          <a:ln>
+            <a:tailEnd type="triangle"/>
+          </a:ln>
+        </p:spPr>
+        <p:style>
+          <a:lnRef idx="1">
+            <a:schemeClr val="accent1"/>
+          </a:lnRef>
+          <a:fillRef idx="0">
+            <a:schemeClr val="accent1"/>
+          </a:fillRef>
+          <a:effectRef idx="0">
+            <a:schemeClr val="accent1"/>
+          </a:effectRef>
+          <a:fontRef idx="minor">
+            <a:schemeClr val="tx1"/>
+          </a:fontRef>
+        </p:style>
+      </p:cxnSp>
+      <p:cxnSp>
+        <p:nvCxnSpPr>
+          <p:cNvPr id="87" name="Straight Arrow Connector 86"/>
+          <p:cNvCxnSpPr>
+            <a:stCxn id="43" idx="4"/>
+            <a:endCxn id="59" idx="0"/>
+          </p:cNvCxnSpPr>
+          <p:nvPr/>
+        </p:nvCxnSpPr>
+        <p:spPr>
+          <a:xfrm flipH="1">
+            <a:off x="9344585" y="2160330"/>
+            <a:ext cx="1478123" cy="1195343"/>
+          </a:xfrm>
+          <a:prstGeom prst="straightConnector1">
+            <a:avLst/>
+          </a:prstGeom>
+          <a:ln>
+            <a:tailEnd type="triangle"/>
+          </a:ln>
+        </p:spPr>
+        <p:style>
+          <a:lnRef idx="1">
+            <a:schemeClr val="accent1"/>
+          </a:lnRef>
+          <a:fillRef idx="0">
+            <a:schemeClr val="accent1"/>
+          </a:fillRef>
+          <a:effectRef idx="0">
+            <a:schemeClr val="accent1"/>
+          </a:effectRef>
+          <a:fontRef idx="minor">
+            <a:schemeClr val="tx1"/>
+          </a:fontRef>
+        </p:style>
+      </p:cxnSp>
+      <p:cxnSp>
+        <p:nvCxnSpPr>
+          <p:cNvPr id="88" name="Straight Arrow Connector 87"/>
+          <p:cNvCxnSpPr>
+            <a:stCxn id="44" idx="4"/>
+            <a:endCxn id="60" idx="0"/>
+          </p:cNvCxnSpPr>
+          <p:nvPr/>
+        </p:nvCxnSpPr>
+        <p:spPr>
+          <a:xfrm flipH="1">
+            <a:off x="9857058" y="2160330"/>
+            <a:ext cx="1478123" cy="1195343"/>
+          </a:xfrm>
+          <a:prstGeom prst="straightConnector1">
+            <a:avLst/>
+          </a:prstGeom>
+          <a:ln>
+            <a:tailEnd type="triangle"/>
+          </a:ln>
+        </p:spPr>
+        <p:style>
+          <a:lnRef idx="1">
+            <a:schemeClr val="accent1"/>
+          </a:lnRef>
+          <a:fillRef idx="0">
+            <a:schemeClr val="accent1"/>
+          </a:fillRef>
+          <a:effectRef idx="0">
+            <a:schemeClr val="accent1"/>
+          </a:effectRef>
+          <a:fontRef idx="minor">
+            <a:schemeClr val="tx1"/>
+          </a:fontRef>
+        </p:style>
+      </p:cxnSp>
+      <p:cxnSp>
+        <p:nvCxnSpPr>
+          <p:cNvPr id="89" name="Straight Arrow Connector 88"/>
+          <p:cNvCxnSpPr>
+            <a:stCxn id="39" idx="4"/>
+            <a:endCxn id="60" idx="0"/>
+          </p:cNvCxnSpPr>
+          <p:nvPr/>
+        </p:nvCxnSpPr>
+        <p:spPr>
+          <a:xfrm>
+            <a:off x="9634304" y="2160330"/>
+            <a:ext cx="222754" cy="1195343"/>
+          </a:xfrm>
+          <a:prstGeom prst="straightConnector1">
+            <a:avLst/>
+          </a:prstGeom>
+          <a:ln>
+            <a:tailEnd type="triangle"/>
+          </a:ln>
+        </p:spPr>
+        <p:style>
+          <a:lnRef idx="1">
+            <a:schemeClr val="accent1"/>
+          </a:lnRef>
+          <a:fillRef idx="0">
+            <a:schemeClr val="accent1"/>
+          </a:fillRef>
+          <a:effectRef idx="0">
+            <a:schemeClr val="accent1"/>
+          </a:effectRef>
+          <a:fontRef idx="minor">
+            <a:schemeClr val="tx1"/>
+          </a:fontRef>
+        </p:style>
+      </p:cxnSp>
+      <p:cxnSp>
+        <p:nvCxnSpPr>
+          <p:cNvPr id="90" name="Straight Arrow Connector 89"/>
+          <p:cNvCxnSpPr>
+            <a:stCxn id="59" idx="4"/>
+            <a:endCxn id="23" idx="0"/>
+          </p:cNvCxnSpPr>
+          <p:nvPr/>
+        </p:nvCxnSpPr>
+        <p:spPr>
+          <a:xfrm>
+            <a:off x="9344585" y="3569347"/>
+            <a:ext cx="170372" cy="1900314"/>
+          </a:xfrm>
+          <a:prstGeom prst="straightConnector1">
+            <a:avLst/>
+          </a:prstGeom>
+          <a:ln>
+            <a:tailEnd type="triangle"/>
+          </a:ln>
+        </p:spPr>
+        <p:style>
+          <a:lnRef idx="1">
+            <a:schemeClr val="accent1"/>
+          </a:lnRef>
+          <a:fillRef idx="0">
+            <a:schemeClr val="accent1"/>
+          </a:fillRef>
+          <a:effectRef idx="0">
+            <a:schemeClr val="accent1"/>
+          </a:effectRef>
+          <a:fontRef idx="minor">
+            <a:schemeClr val="tx1"/>
+          </a:fontRef>
+        </p:style>
+      </p:cxnSp>
+      <p:cxnSp>
+        <p:nvCxnSpPr>
+          <p:cNvPr id="91" name="Straight Arrow Connector 90"/>
+          <p:cNvCxnSpPr>
+            <a:stCxn id="58" idx="4"/>
+            <a:endCxn id="23" idx="0"/>
+          </p:cNvCxnSpPr>
+          <p:nvPr/>
+        </p:nvCxnSpPr>
+        <p:spPr>
+          <a:xfrm>
+            <a:off x="9083365" y="3569347"/>
+            <a:ext cx="431592" cy="1900314"/>
+          </a:xfrm>
+          <a:prstGeom prst="straightConnector1">
+            <a:avLst/>
+          </a:prstGeom>
+          <a:ln>
+            <a:tailEnd type="triangle"/>
+          </a:ln>
+        </p:spPr>
+        <p:style>
+          <a:lnRef idx="1">
+            <a:schemeClr val="accent1"/>
+          </a:lnRef>
+          <a:fillRef idx="0">
+            <a:schemeClr val="accent1"/>
+          </a:fillRef>
+          <a:effectRef idx="0">
+            <a:schemeClr val="accent1"/>
+          </a:effectRef>
+          <a:fontRef idx="minor">
+            <a:schemeClr val="tx1"/>
+          </a:fontRef>
+        </p:style>
+      </p:cxnSp>
+      <p:cxnSp>
+        <p:nvCxnSpPr>
+          <p:cNvPr id="92" name="Straight Arrow Connector 91"/>
+          <p:cNvCxnSpPr>
+            <a:stCxn id="60" idx="4"/>
+            <a:endCxn id="23" idx="0"/>
+          </p:cNvCxnSpPr>
+          <p:nvPr/>
+        </p:nvCxnSpPr>
+        <p:spPr>
+          <a:xfrm flipH="1">
+            <a:off x="9514957" y="3569347"/>
+            <a:ext cx="342101" cy="1900314"/>
+          </a:xfrm>
+          <a:prstGeom prst="straightConnector1">
+            <a:avLst/>
+          </a:prstGeom>
+          <a:ln>
+            <a:tailEnd type="triangle"/>
+          </a:ln>
+        </p:spPr>
+        <p:style>
+          <a:lnRef idx="1">
+            <a:schemeClr val="accent1"/>
+          </a:lnRef>
+          <a:fillRef idx="0">
+            <a:schemeClr val="accent1"/>
+          </a:fillRef>
+          <a:effectRef idx="0">
+            <a:schemeClr val="accent1"/>
+          </a:effectRef>
+          <a:fontRef idx="minor">
+            <a:schemeClr val="tx1"/>
+          </a:fontRef>
+        </p:style>
+      </p:cxnSp>
+      <p:sp>
+        <p:nvSpPr>
+          <p:cNvPr id="114" name="Rounded Rectangle 113"/>
+          <p:cNvSpPr/>
+          <p:nvPr/>
+        </p:nvSpPr>
+        <p:spPr>
+          <a:xfrm>
+            <a:off x="8304047" y="5765290"/>
+            <a:ext cx="2421820" cy="213401"/>
+          </a:xfrm>
+          <a:prstGeom prst="roundRect">
+            <a:avLst/>
+          </a:prstGeom>
+          <a:solidFill>
+            <a:schemeClr val="accent3"/>
+          </a:solidFill>
+        </p:spPr>
+        <p:style>
+          <a:lnRef idx="2">
+            <a:schemeClr val="accent1">
+              <a:shade val="50000"/>
+            </a:schemeClr>
+          </a:lnRef>
+          <a:fillRef idx="1">
+            <a:schemeClr val="accent1"/>
+          </a:fillRef>
+          <a:effectRef idx="0">
+            <a:schemeClr val="accent1"/>
+          </a:effectRef>
+          <a:fontRef idx="minor">
+            <a:schemeClr val="lt1"/>
+          </a:fontRef>
+        </p:style>
+        <p:txBody>
+          <a:bodyPr rtlCol="0" anchor="ctr"/>
+          <a:lstStyle/>
+          <a:p>
+            <a:pPr algn="ctr"/>
+            <a:r>
+              <a:rPr lang="en-US" sz="1200" dirty="0"/>
+              <a:t>Operational cost for one hour</a:t>
+            </a:r>
+          </a:p>
+        </p:txBody>
+      </p:sp>
+    </p:spTree>
+    <p:extLst>
+      <p:ext uri="{BB962C8B-B14F-4D97-AF65-F5344CB8AC3E}">
+        <p14:creationId xmlns:p14="http://schemas.microsoft.com/office/powerpoint/2010/main" val="2844186355"/>
+      </p:ext>
+    </p:extLst>
+  </p:cSld>
+  <p:clrMapOvr>
+    <a:masterClrMapping/>
+  </p:clrMapOvr>
+</p:sld>
+</file>
+
+<file path=ppt/slides/slide7.xml><?xml version="1.0" encoding="utf-8"?>
+<p:sld xmlns:a="http://schemas.openxmlformats.org/drawingml/2006/main" xmlns:r="http://schemas.openxmlformats.org/officeDocument/2006/relationships" xmlns:p="http://schemas.openxmlformats.org/presentationml/2006/main">
+  <p:cSld>
+    <p:spTree>
+      <p:nvGrpSpPr>
+        <p:cNvPr id="1" name=""/>
+        <p:cNvGrpSpPr/>
+        <p:nvPr/>
+      </p:nvGrpSpPr>
+      <p:grpSpPr>
+        <a:xfrm>
+          <a:off x="0" y="0"/>
+          <a:ext cx="0" cy="0"/>
+          <a:chOff x="0" y="0"/>
+          <a:chExt cx="0" cy="0"/>
+        </a:xfrm>
+      </p:grpSpPr>
+      <p:sp>
+        <p:nvSpPr>
+          <p:cNvPr id="3" name="Footer Placeholder 2"/>
+          <p:cNvSpPr>
+            <a:spLocks noGrp="1"/>
+          </p:cNvSpPr>
+          <p:nvPr>
+            <p:ph type="ftr" sz="quarter" idx="11"/>
+          </p:nvPr>
+        </p:nvSpPr>
+        <p:spPr/>
+        <p:txBody>
+          <a:bodyPr/>
+          <a:lstStyle/>
+          <a:p>
+            <a:r>
+              <a:rPr lang="nl-NL"/>
+              <a:t>Ingenieurswetenschappen, Werktuigkunde, TME</a:t>
+            </a:r>
+          </a:p>
+        </p:txBody>
+      </p:sp>
+      <p:sp>
+        <p:nvSpPr>
+          <p:cNvPr id="4" name="Slide Number Placeholder 3"/>
+          <p:cNvSpPr>
+            <a:spLocks noGrp="1"/>
+          </p:cNvSpPr>
+          <p:nvPr>
+            <p:ph type="sldNum" sz="quarter" idx="12"/>
+          </p:nvPr>
+        </p:nvSpPr>
+        <p:spPr/>
+        <p:txBody>
+          <a:bodyPr/>
+          <a:lstStyle/>
+          <a:p>
+            <a:fld id="{0A297500-7527-634B-90F4-69D0994C32B4}" type="slidenum">
+              <a:rPr lang="nl-NL" smtClean="0"/>
+              <a:t>7</a:t>
             </a:fld>
             <a:endParaRPr lang="nl-NL"/>
           </a:p>
@@ -20612,7 +22588,7 @@
 </p:sld>
 </file>
 
-<file path=ppt/slides/slide7.xml><?xml version="1.0" encoding="utf-8"?>
+<file path=ppt/slides/slide8.xml><?xml version="1.0" encoding="utf-8"?>
 <p:sld xmlns:a="http://schemas.openxmlformats.org/drawingml/2006/main" xmlns:r="http://schemas.openxmlformats.org/officeDocument/2006/relationships" xmlns:p="http://schemas.openxmlformats.org/presentationml/2006/main">
   <p:cSld>
     <p:spTree>
@@ -20668,7 +22644,7 @@
           <a:p>
             <a:fld id="{0A297500-7527-634B-90F4-69D0994C32B4}" type="slidenum">
               <a:rPr lang="nl-NL" smtClean="0"/>
-              <a:t>7</a:t>
+              <a:t>8</a:t>
             </a:fld>
             <a:endParaRPr lang="nl-NL"/>
           </a:p>
@@ -20984,7 +22960,7 @@
 </p:sld>
 </file>
 
-<file path=ppt/slides/slide8.xml><?xml version="1.0" encoding="utf-8"?>
+<file path=ppt/slides/slide9.xml><?xml version="1.0" encoding="utf-8"?>
 <p:sld xmlns:a="http://schemas.openxmlformats.org/drawingml/2006/main" xmlns:r="http://schemas.openxmlformats.org/officeDocument/2006/relationships" xmlns:p="http://schemas.openxmlformats.org/presentationml/2006/main">
   <p:cSld>
     <p:spTree>
@@ -21040,7 +23016,7 @@
           <a:p>
             <a:fld id="{0A297500-7527-634B-90F4-69D0994C32B4}" type="slidenum">
               <a:rPr lang="nl-NL" smtClean="0"/>
-              <a:t>8</a:t>
+              <a:t>9</a:t>
             </a:fld>
             <a:endParaRPr lang="nl-NL"/>
           </a:p>
@@ -21104,111 +23080,6 @@
     <p:extLst>
       <p:ext uri="{BB962C8B-B14F-4D97-AF65-F5344CB8AC3E}">
         <p14:creationId xmlns:p14="http://schemas.microsoft.com/office/powerpoint/2010/main" val="4026936855"/>
-      </p:ext>
-    </p:extLst>
-  </p:cSld>
-  <p:clrMapOvr>
-    <a:masterClrMapping/>
-  </p:clrMapOvr>
-</p:sld>
-</file>
-
-<file path=ppt/slides/slide9.xml><?xml version="1.0" encoding="utf-8"?>
-<p:sld xmlns:a="http://schemas.openxmlformats.org/drawingml/2006/main" xmlns:r="http://schemas.openxmlformats.org/officeDocument/2006/relationships" xmlns:p="http://schemas.openxmlformats.org/presentationml/2006/main">
-  <p:cSld>
-    <p:spTree>
-      <p:nvGrpSpPr>
-        <p:cNvPr id="1" name=""/>
-        <p:cNvGrpSpPr/>
-        <p:nvPr/>
-      </p:nvGrpSpPr>
-      <p:grpSpPr>
-        <a:xfrm>
-          <a:off x="0" y="0"/>
-          <a:ext cx="0" cy="0"/>
-          <a:chOff x="0" y="0"/>
-          <a:chExt cx="0" cy="0"/>
-        </a:xfrm>
-      </p:grpSpPr>
-      <p:sp>
-        <p:nvSpPr>
-          <p:cNvPr id="2" name="Footer Placeholder 1"/>
-          <p:cNvSpPr>
-            <a:spLocks noGrp="1"/>
-          </p:cNvSpPr>
-          <p:nvPr>
-            <p:ph type="ftr" sz="quarter" idx="11"/>
-          </p:nvPr>
-        </p:nvSpPr>
-        <p:spPr/>
-        <p:txBody>
-          <a:bodyPr/>
-          <a:lstStyle/>
-          <a:p>
-            <a:r>
-              <a:rPr lang="nl-NL"/>
-              <a:t>Ingenieurswetenschappen, Werktuigkunde, TME</a:t>
-            </a:r>
-          </a:p>
-        </p:txBody>
-      </p:sp>
-      <p:sp>
-        <p:nvSpPr>
-          <p:cNvPr id="3" name="Slide Number Placeholder 2"/>
-          <p:cNvSpPr>
-            <a:spLocks noGrp="1"/>
-          </p:cNvSpPr>
-          <p:nvPr>
-            <p:ph type="sldNum" sz="quarter" idx="12"/>
-          </p:nvPr>
-        </p:nvSpPr>
-        <p:spPr/>
-        <p:txBody>
-          <a:bodyPr/>
-          <a:lstStyle/>
-          <a:p>
-            <a:fld id="{0A297500-7527-634B-90F4-69D0994C32B4}" type="slidenum">
-              <a:rPr lang="nl-NL" smtClean="0"/>
-              <a:t>9</a:t>
-            </a:fld>
-            <a:endParaRPr lang="nl-NL"/>
-          </a:p>
-        </p:txBody>
-      </p:sp>
-      <p:pic>
-        <p:nvPicPr>
-          <p:cNvPr id="4" name="Picture 3"/>
-          <p:cNvPicPr>
-            <a:picLocks noChangeAspect="1"/>
-          </p:cNvPicPr>
-          <p:nvPr/>
-        </p:nvPicPr>
-        <p:blipFill>
-          <a:blip r:embed="rId2">
-            <a:extLst>
-              <a:ext uri="{28A0092B-C50C-407E-A947-70E740481C1C}">
-                <a14:useLocalDpi xmlns:a14="http://schemas.microsoft.com/office/drawing/2010/main" val="0"/>
-              </a:ext>
-            </a:extLst>
-          </a:blip>
-          <a:stretch>
-            <a:fillRect/>
-          </a:stretch>
-        </p:blipFill>
-        <p:spPr>
-          <a:xfrm>
-            <a:off x="758283" y="115326"/>
-            <a:ext cx="10283407" cy="5782439"/>
-          </a:xfrm>
-          <a:prstGeom prst="rect">
-            <a:avLst/>
-          </a:prstGeom>
-        </p:spPr>
-      </p:pic>
-    </p:spTree>
-    <p:extLst>
-      <p:ext uri="{BB962C8B-B14F-4D97-AF65-F5344CB8AC3E}">
-        <p14:creationId xmlns:p14="http://schemas.microsoft.com/office/powerpoint/2010/main" val="261656653"/>
       </p:ext>
     </p:extLst>
   </p:cSld>
